--- a/Conceptual.pptx
+++ b/Conceptual.pptx
@@ -288,7 +288,7 @@
           <a:p>
             <a:fld id="{27751EDB-204B-451A-80E5-C4011F290BA9}" type="datetimeFigureOut">
               <a:rPr lang="en-CA" smtClean="0"/>
-              <a:t>2014-09-28</a:t>
+              <a:t>2014-10-03</a:t>
             </a:fld>
             <a:endParaRPr lang="en-CA"/>
           </a:p>
@@ -458,7 +458,7 @@
           <a:p>
             <a:fld id="{27751EDB-204B-451A-80E5-C4011F290BA9}" type="datetimeFigureOut">
               <a:rPr lang="en-CA" smtClean="0"/>
-              <a:t>2014-09-28</a:t>
+              <a:t>2014-10-03</a:t>
             </a:fld>
             <a:endParaRPr lang="en-CA"/>
           </a:p>
@@ -638,7 +638,7 @@
           <a:p>
             <a:fld id="{27751EDB-204B-451A-80E5-C4011F290BA9}" type="datetimeFigureOut">
               <a:rPr lang="en-CA" smtClean="0"/>
-              <a:t>2014-09-28</a:t>
+              <a:t>2014-10-03</a:t>
             </a:fld>
             <a:endParaRPr lang="en-CA"/>
           </a:p>
@@ -808,7 +808,7 @@
           <a:p>
             <a:fld id="{27751EDB-204B-451A-80E5-C4011F290BA9}" type="datetimeFigureOut">
               <a:rPr lang="en-CA" smtClean="0"/>
-              <a:t>2014-09-28</a:t>
+              <a:t>2014-10-03</a:t>
             </a:fld>
             <a:endParaRPr lang="en-CA"/>
           </a:p>
@@ -1054,7 +1054,7 @@
           <a:p>
             <a:fld id="{27751EDB-204B-451A-80E5-C4011F290BA9}" type="datetimeFigureOut">
               <a:rPr lang="en-CA" smtClean="0"/>
-              <a:t>2014-09-28</a:t>
+              <a:t>2014-10-03</a:t>
             </a:fld>
             <a:endParaRPr lang="en-CA"/>
           </a:p>
@@ -1342,7 +1342,7 @@
           <a:p>
             <a:fld id="{27751EDB-204B-451A-80E5-C4011F290BA9}" type="datetimeFigureOut">
               <a:rPr lang="en-CA" smtClean="0"/>
-              <a:t>2014-09-28</a:t>
+              <a:t>2014-10-03</a:t>
             </a:fld>
             <a:endParaRPr lang="en-CA"/>
           </a:p>
@@ -1764,7 +1764,7 @@
           <a:p>
             <a:fld id="{27751EDB-204B-451A-80E5-C4011F290BA9}" type="datetimeFigureOut">
               <a:rPr lang="en-CA" smtClean="0"/>
-              <a:t>2014-09-28</a:t>
+              <a:t>2014-10-03</a:t>
             </a:fld>
             <a:endParaRPr lang="en-CA"/>
           </a:p>
@@ -1882,7 +1882,7 @@
           <a:p>
             <a:fld id="{27751EDB-204B-451A-80E5-C4011F290BA9}" type="datetimeFigureOut">
               <a:rPr lang="en-CA" smtClean="0"/>
-              <a:t>2014-09-28</a:t>
+              <a:t>2014-10-03</a:t>
             </a:fld>
             <a:endParaRPr lang="en-CA"/>
           </a:p>
@@ -1977,7 +1977,7 @@
           <a:p>
             <a:fld id="{27751EDB-204B-451A-80E5-C4011F290BA9}" type="datetimeFigureOut">
               <a:rPr lang="en-CA" smtClean="0"/>
-              <a:t>2014-09-28</a:t>
+              <a:t>2014-10-03</a:t>
             </a:fld>
             <a:endParaRPr lang="en-CA"/>
           </a:p>
@@ -2254,7 +2254,7 @@
           <a:p>
             <a:fld id="{27751EDB-204B-451A-80E5-C4011F290BA9}" type="datetimeFigureOut">
               <a:rPr lang="en-CA" smtClean="0"/>
-              <a:t>2014-09-28</a:t>
+              <a:t>2014-10-03</a:t>
             </a:fld>
             <a:endParaRPr lang="en-CA"/>
           </a:p>
@@ -2507,7 +2507,7 @@
           <a:p>
             <a:fld id="{27751EDB-204B-451A-80E5-C4011F290BA9}" type="datetimeFigureOut">
               <a:rPr lang="en-CA" smtClean="0"/>
-              <a:t>2014-09-28</a:t>
+              <a:t>2014-10-03</a:t>
             </a:fld>
             <a:endParaRPr lang="en-CA"/>
           </a:p>
@@ -2720,7 +2720,7 @@
           <a:p>
             <a:fld id="{27751EDB-204B-451A-80E5-C4011F290BA9}" type="datetimeFigureOut">
               <a:rPr lang="en-CA" smtClean="0"/>
-              <a:t>2014-09-28</a:t>
+              <a:t>2014-10-03</a:t>
             </a:fld>
             <a:endParaRPr lang="en-CA"/>
           </a:p>
@@ -3305,7 +3305,7 @@
         </p:nvSpPr>
         <p:spPr>
           <a:xfrm>
-            <a:off x="7146420" y="2716151"/>
+            <a:off x="7117038" y="3391807"/>
             <a:ext cx="914400" cy="612648"/>
           </a:xfrm>
           <a:prstGeom prst="flowChartProcess">
@@ -3351,9 +3351,9 @@
           <p:nvPr/>
         </p:nvCxnSpPr>
         <p:spPr>
-          <a:xfrm flipH="1" flipV="1">
+          <a:xfrm flipV="1">
             <a:off x="3012976" y="1161328"/>
-            <a:ext cx="5426" cy="356600"/>
+            <a:ext cx="0" cy="635912"/>
           </a:xfrm>
           <a:prstGeom prst="line">
             <a:avLst/>
@@ -3548,7 +3548,7 @@
         </p:nvSpPr>
         <p:spPr>
           <a:xfrm>
-            <a:off x="2375756" y="1472208"/>
+            <a:off x="2370330" y="1751520"/>
             <a:ext cx="1285292" cy="457200"/>
           </a:xfrm>
           <a:prstGeom prst="flowChartManualInput">
@@ -3595,7 +3595,7 @@
         </p:nvCxnSpPr>
         <p:spPr>
           <a:xfrm>
-            <a:off x="3661048" y="1700808"/>
+            <a:off x="3655622" y="1980120"/>
             <a:ext cx="305514" cy="0"/>
           </a:xfrm>
           <a:prstGeom prst="line">
@@ -3632,13 +3632,13 @@
         </p:nvCxnSpPr>
         <p:spPr>
           <a:xfrm flipH="1">
-            <a:off x="4497996" y="855004"/>
-            <a:ext cx="3588545" cy="539480"/>
+            <a:off x="4492570" y="855004"/>
+            <a:ext cx="3593971" cy="818792"/>
           </a:xfrm>
           <a:prstGeom prst="bentConnector4">
             <a:avLst>
-              <a:gd name="adj1" fmla="val -6370"/>
-              <a:gd name="adj2" fmla="val 78391"/>
+              <a:gd name="adj1" fmla="val -6361"/>
+              <a:gd name="adj2" fmla="val 68706"/>
             </a:avLst>
           </a:prstGeom>
           <a:ln>
@@ -3669,7 +3669,7 @@
         </p:nvSpPr>
         <p:spPr>
           <a:xfrm>
-            <a:off x="5745832" y="1394484"/>
+            <a:off x="5740406" y="1673796"/>
             <a:ext cx="914400" cy="612648"/>
           </a:xfrm>
           <a:prstGeom prst="flowChartDecision">
@@ -3712,7 +3712,7 @@
         </p:nvCxnSpPr>
         <p:spPr>
           <a:xfrm>
-            <a:off x="5029430" y="1700808"/>
+            <a:off x="5024004" y="1980120"/>
             <a:ext cx="716402" cy="0"/>
           </a:xfrm>
           <a:prstGeom prst="line">
@@ -3746,7 +3746,7 @@
         </p:nvSpPr>
         <p:spPr>
           <a:xfrm>
-            <a:off x="7136037" y="1659082"/>
+            <a:off x="7130611" y="1938394"/>
             <a:ext cx="914400" cy="457200"/>
           </a:xfrm>
           <a:prstGeom prst="flowChartManualInput">
@@ -3793,7 +3793,7 @@
         </p:nvCxnSpPr>
         <p:spPr>
           <a:xfrm>
-            <a:off x="6660232" y="1700808"/>
+            <a:off x="6654806" y="1980120"/>
             <a:ext cx="933005" cy="3994"/>
           </a:xfrm>
           <a:prstGeom prst="line">
@@ -3827,7 +3827,7 @@
         </p:nvSpPr>
         <p:spPr>
           <a:xfrm>
-            <a:off x="2574275" y="2716151"/>
+            <a:off x="2544893" y="3391807"/>
             <a:ext cx="1041074" cy="612648"/>
           </a:xfrm>
           <a:prstGeom prst="flowChartDisplay">
@@ -3871,7 +3871,7 @@
         </p:nvSpPr>
         <p:spPr>
           <a:xfrm>
-            <a:off x="3966562" y="1394484"/>
+            <a:off x="3961136" y="1673796"/>
             <a:ext cx="1062868" cy="612648"/>
           </a:xfrm>
           <a:prstGeom prst="flowChartDisplay">
@@ -3917,9 +3917,9 @@
           <p:nvPr/>
         </p:nvCxnSpPr>
         <p:spPr>
-          <a:xfrm>
-            <a:off x="7593237" y="2116282"/>
-            <a:ext cx="10383" cy="599869"/>
+          <a:xfrm flipH="1">
+            <a:off x="7574238" y="2395594"/>
+            <a:ext cx="13573" cy="996213"/>
           </a:xfrm>
           <a:prstGeom prst="line">
             <a:avLst/>
@@ -3952,7 +3952,7 @@
         </p:nvSpPr>
         <p:spPr>
           <a:xfrm>
-            <a:off x="5681981" y="2716151"/>
+            <a:off x="5652599" y="3391807"/>
             <a:ext cx="1062868" cy="612648"/>
           </a:xfrm>
           <a:prstGeom prst="flowChartDisplay">
@@ -3999,7 +3999,7 @@
         </p:nvCxnSpPr>
         <p:spPr>
           <a:xfrm flipH="1">
-            <a:off x="6744849" y="3022475"/>
+            <a:off x="6715467" y="3698131"/>
             <a:ext cx="401571" cy="0"/>
           </a:xfrm>
           <a:prstGeom prst="line">
@@ -4036,11 +4036,13 @@
         </p:nvCxnSpPr>
         <p:spPr>
           <a:xfrm rot="5400000">
-            <a:off x="4294413" y="807531"/>
-            <a:ext cx="709019" cy="3108220"/>
+            <a:off x="4078837" y="1273037"/>
+            <a:ext cx="1105363" cy="3132176"/>
           </a:xfrm>
           <a:prstGeom prst="bentConnector3">
-            <a:avLst/>
+            <a:avLst>
+              <a:gd name="adj1" fmla="val 50000"/>
+            </a:avLst>
           </a:prstGeom>
           <a:ln>
             <a:headEnd type="none" w="med" len="med"/>
@@ -4070,7 +4072,7 @@
         </p:nvSpPr>
         <p:spPr>
           <a:xfrm>
-            <a:off x="4051179" y="2716152"/>
+            <a:off x="4021797" y="3391808"/>
             <a:ext cx="914400" cy="612648"/>
           </a:xfrm>
           <a:prstGeom prst="flowChartDecision">
@@ -4113,7 +4115,7 @@
         </p:nvCxnSpPr>
         <p:spPr>
           <a:xfrm flipH="1">
-            <a:off x="4965579" y="3022475"/>
+            <a:off x="4936197" y="3698131"/>
             <a:ext cx="716402" cy="1"/>
           </a:xfrm>
           <a:prstGeom prst="line">
@@ -4150,7 +4152,7 @@
         </p:nvCxnSpPr>
         <p:spPr>
           <a:xfrm flipH="1" flipV="1">
-            <a:off x="3615349" y="3022475"/>
+            <a:off x="3585967" y="3698131"/>
             <a:ext cx="435830" cy="1"/>
           </a:xfrm>
           <a:prstGeom prst="line">
@@ -4186,9 +4188,9 @@
           <p:nvPr/>
         </p:nvCxnSpPr>
         <p:spPr>
-          <a:xfrm flipH="1" flipV="1">
-            <a:off x="4497996" y="2007132"/>
-            <a:ext cx="10383" cy="709020"/>
+          <a:xfrm flipV="1">
+            <a:off x="4478997" y="2286444"/>
+            <a:ext cx="13573" cy="1105364"/>
           </a:xfrm>
           <a:prstGeom prst="line">
             <a:avLst/>
@@ -4221,7 +4223,7 @@
         </p:nvSpPr>
         <p:spPr>
           <a:xfrm>
-            <a:off x="1175664" y="2208480"/>
+            <a:off x="1175664" y="2879946"/>
             <a:ext cx="914400" cy="612648"/>
           </a:xfrm>
           <a:prstGeom prst="flowChartDecision">
@@ -4264,8 +4266,8 @@
         </p:nvCxnSpPr>
         <p:spPr>
           <a:xfrm rot="5400000" flipH="1" flipV="1">
-            <a:off x="2964756" y="675240"/>
-            <a:ext cx="201348" cy="2865132"/>
+            <a:off x="2765966" y="1153342"/>
+            <a:ext cx="593502" cy="2859706"/>
           </a:xfrm>
           <a:prstGeom prst="bentConnector3">
             <a:avLst>
@@ -4303,8 +4305,8 @@
         </p:nvCxnSpPr>
         <p:spPr>
           <a:xfrm rot="10800000">
-            <a:off x="2090065" y="2514805"/>
-            <a:ext cx="484211" cy="507671"/>
+            <a:off x="2090065" y="3186271"/>
+            <a:ext cx="454829" cy="511861"/>
           </a:xfrm>
           <a:prstGeom prst="bentConnector3">
             <a:avLst/>
@@ -4337,7 +4339,7 @@
         </p:nvSpPr>
         <p:spPr>
           <a:xfrm>
-            <a:off x="1172667" y="3501008"/>
+            <a:off x="1175665" y="4318542"/>
             <a:ext cx="914400" cy="612648"/>
           </a:xfrm>
           <a:prstGeom prst="flowChartProcess">
@@ -4383,9 +4385,9 @@
           <p:nvPr/>
         </p:nvCxnSpPr>
         <p:spPr>
-          <a:xfrm rot="5400000">
-            <a:off x="1291426" y="3159570"/>
-            <a:ext cx="679880" cy="2997"/>
+          <a:xfrm rot="16200000" flipH="1">
+            <a:off x="1219890" y="3905567"/>
+            <a:ext cx="825948" cy="1"/>
           </a:xfrm>
           <a:prstGeom prst="bentConnector3">
             <a:avLst/>
@@ -4448,7 +4450,7 @@
         </p:nvSpPr>
         <p:spPr>
           <a:xfrm>
-            <a:off x="2217620" y="1161328"/>
+            <a:off x="2343594" y="1238111"/>
             <a:ext cx="688009" cy="369332"/>
           </a:xfrm>
           <a:prstGeom prst="rect">
@@ -4478,7 +4480,7 @@
         </p:nvSpPr>
         <p:spPr>
           <a:xfrm>
-            <a:off x="6615784" y="1328131"/>
+            <a:off x="6610358" y="1607443"/>
             <a:ext cx="812851" cy="369332"/>
           </a:xfrm>
           <a:prstGeom prst="rect">
@@ -4507,7 +4509,7 @@
         </p:nvSpPr>
         <p:spPr>
           <a:xfrm>
-            <a:off x="5308180" y="2024054"/>
+            <a:off x="5302754" y="2303366"/>
             <a:ext cx="875304" cy="369332"/>
           </a:xfrm>
           <a:prstGeom prst="rect">
@@ -4526,6 +4528,582 @@
               <a:t>Browse</a:t>
             </a:r>
             <a:endParaRPr lang="en-CA" dirty="0"/>
+          </a:p>
+        </p:txBody>
+      </p:sp>
+      <p:sp>
+        <p:nvSpPr>
+          <p:cNvPr id="39" name="TextBox 38"/>
+          <p:cNvSpPr txBox="1"/>
+          <p:nvPr/>
+        </p:nvSpPr>
+        <p:spPr>
+          <a:xfrm>
+            <a:off x="4571898" y="3123262"/>
+            <a:ext cx="875304" cy="369332"/>
+          </a:xfrm>
+          <a:prstGeom prst="rect">
+            <a:avLst/>
+          </a:prstGeom>
+          <a:noFill/>
+        </p:spPr>
+        <p:txBody>
+          <a:bodyPr wrap="none" rtlCol="0">
+            <a:spAutoFit/>
+          </a:bodyPr>
+          <a:lstStyle/>
+          <a:p>
+            <a:r>
+              <a:rPr lang="en-CA" dirty="0" smtClean="0"/>
+              <a:t>Browse</a:t>
+            </a:r>
+            <a:endParaRPr lang="en-CA" dirty="0"/>
+          </a:p>
+        </p:txBody>
+      </p:sp>
+      <p:sp>
+        <p:nvSpPr>
+          <p:cNvPr id="40" name="TextBox 39"/>
+          <p:cNvSpPr txBox="1"/>
+          <p:nvPr/>
+        </p:nvSpPr>
+        <p:spPr>
+          <a:xfrm>
+            <a:off x="546720" y="3622506"/>
+            <a:ext cx="940194" cy="369332"/>
+          </a:xfrm>
+          <a:prstGeom prst="rect">
+            <a:avLst/>
+          </a:prstGeom>
+          <a:noFill/>
+        </p:spPr>
+        <p:txBody>
+          <a:bodyPr wrap="none" rtlCol="0">
+            <a:spAutoFit/>
+          </a:bodyPr>
+          <a:lstStyle/>
+          <a:p>
+            <a:r>
+              <a:rPr lang="en-CA" dirty="0" smtClean="0"/>
+              <a:t>Register</a:t>
+            </a:r>
+            <a:endParaRPr lang="en-CA" dirty="0"/>
+          </a:p>
+        </p:txBody>
+      </p:sp>
+      <p:sp>
+        <p:nvSpPr>
+          <p:cNvPr id="42" name="TextBox 41"/>
+          <p:cNvSpPr txBox="1"/>
+          <p:nvPr/>
+        </p:nvSpPr>
+        <p:spPr>
+          <a:xfrm>
+            <a:off x="3542186" y="3698131"/>
+            <a:ext cx="648383" cy="369332"/>
+          </a:xfrm>
+          <a:prstGeom prst="rect">
+            <a:avLst/>
+          </a:prstGeom>
+          <a:noFill/>
+        </p:spPr>
+        <p:txBody>
+          <a:bodyPr wrap="none" rtlCol="0">
+            <a:spAutoFit/>
+          </a:bodyPr>
+          <a:lstStyle/>
+          <a:p>
+            <a:r>
+              <a:rPr lang="en-CA" dirty="0" smtClean="0"/>
+              <a:t>View</a:t>
+            </a:r>
+            <a:endParaRPr lang="en-CA" dirty="0"/>
+          </a:p>
+        </p:txBody>
+      </p:sp>
+      <p:sp>
+        <p:nvSpPr>
+          <p:cNvPr id="43" name="TextBox 42"/>
+          <p:cNvSpPr txBox="1"/>
+          <p:nvPr/>
+        </p:nvSpPr>
+        <p:spPr>
+          <a:xfrm>
+            <a:off x="611610" y="2460477"/>
+            <a:ext cx="875304" cy="369332"/>
+          </a:xfrm>
+          <a:prstGeom prst="rect">
+            <a:avLst/>
+          </a:prstGeom>
+          <a:noFill/>
+        </p:spPr>
+        <p:txBody>
+          <a:bodyPr wrap="none" rtlCol="0">
+            <a:spAutoFit/>
+          </a:bodyPr>
+          <a:lstStyle/>
+          <a:p>
+            <a:r>
+              <a:rPr lang="en-CA" dirty="0" smtClean="0"/>
+              <a:t>Browse</a:t>
+            </a:r>
+            <a:endParaRPr lang="en-CA" dirty="0"/>
+          </a:p>
+        </p:txBody>
+      </p:sp>
+      <p:sp>
+        <p:nvSpPr>
+          <p:cNvPr id="44" name="Flowchart: Display 43"/>
+          <p:cNvSpPr/>
+          <p:nvPr/>
+        </p:nvSpPr>
+        <p:spPr>
+          <a:xfrm>
+            <a:off x="1109330" y="5661248"/>
+            <a:ext cx="1041074" cy="612648"/>
+          </a:xfrm>
+          <a:prstGeom prst="flowChartDisplay">
+            <a:avLst/>
+          </a:prstGeom>
+        </p:spPr>
+        <p:style>
+          <a:lnRef idx="2">
+            <a:schemeClr val="accent1">
+              <a:shade val="50000"/>
+            </a:schemeClr>
+          </a:lnRef>
+          <a:fillRef idx="1">
+            <a:schemeClr val="accent1"/>
+          </a:fillRef>
+          <a:effectRef idx="0">
+            <a:schemeClr val="accent1"/>
+          </a:effectRef>
+          <a:fontRef idx="minor">
+            <a:schemeClr val="lt1"/>
+          </a:fontRef>
+        </p:style>
+        <p:txBody>
+          <a:bodyPr rtlCol="0" anchor="ctr"/>
+          <a:lstStyle/>
+          <a:p>
+            <a:pPr algn="ctr"/>
+            <a:r>
+              <a:rPr lang="en-CA" sz="1200" dirty="0" smtClean="0"/>
+              <a:t>Acknowledge</a:t>
+            </a:r>
+            <a:endParaRPr lang="en-CA" sz="1200" dirty="0"/>
+          </a:p>
+        </p:txBody>
+      </p:sp>
+      <p:cxnSp>
+        <p:nvCxnSpPr>
+          <p:cNvPr id="3" name="Straight Arrow Connector 2"/>
+          <p:cNvCxnSpPr>
+            <a:stCxn id="124" idx="2"/>
+            <a:endCxn id="44" idx="0"/>
+          </p:cNvCxnSpPr>
+          <p:nvPr/>
+        </p:nvCxnSpPr>
+        <p:spPr>
+          <a:xfrm flipH="1">
+            <a:off x="1629867" y="4931190"/>
+            <a:ext cx="2998" cy="730058"/>
+          </a:xfrm>
+          <a:prstGeom prst="straightConnector1">
+            <a:avLst/>
+          </a:prstGeom>
+          <a:ln>
+            <a:headEnd type="none" w="med" len="med"/>
+            <a:tailEnd type="triangle" w="med" len="med"/>
+          </a:ln>
+        </p:spPr>
+        <p:style>
+          <a:lnRef idx="1">
+            <a:schemeClr val="accent1"/>
+          </a:lnRef>
+          <a:fillRef idx="0">
+            <a:schemeClr val="accent1"/>
+          </a:fillRef>
+          <a:effectRef idx="0">
+            <a:schemeClr val="accent1"/>
+          </a:effectRef>
+          <a:fontRef idx="minor">
+            <a:schemeClr val="tx1"/>
+          </a:fontRef>
+        </p:style>
+      </p:cxnSp>
+      <p:sp>
+        <p:nvSpPr>
+          <p:cNvPr id="47" name="Flowchart: Process 46"/>
+          <p:cNvSpPr/>
+          <p:nvPr/>
+        </p:nvSpPr>
+        <p:spPr>
+          <a:xfrm>
+            <a:off x="2700949" y="5661248"/>
+            <a:ext cx="914400" cy="612648"/>
+          </a:xfrm>
+          <a:prstGeom prst="flowChartProcess">
+            <a:avLst/>
+          </a:prstGeom>
+        </p:spPr>
+        <p:style>
+          <a:lnRef idx="2">
+            <a:schemeClr val="accent1">
+              <a:shade val="50000"/>
+            </a:schemeClr>
+          </a:lnRef>
+          <a:fillRef idx="1">
+            <a:schemeClr val="accent1"/>
+          </a:fillRef>
+          <a:effectRef idx="0">
+            <a:schemeClr val="accent1"/>
+          </a:effectRef>
+          <a:fontRef idx="minor">
+            <a:schemeClr val="lt1"/>
+          </a:fontRef>
+        </p:style>
+        <p:txBody>
+          <a:bodyPr rtlCol="0" anchor="ctr"/>
+          <a:lstStyle/>
+          <a:p>
+            <a:pPr algn="ctr"/>
+            <a:r>
+              <a:rPr lang="en-CA" sz="1200" dirty="0" smtClean="0"/>
+              <a:t>Send email</a:t>
+            </a:r>
+            <a:endParaRPr lang="en-CA" sz="1200" dirty="0"/>
+          </a:p>
+        </p:txBody>
+      </p:sp>
+      <p:cxnSp>
+        <p:nvCxnSpPr>
+          <p:cNvPr id="50" name="Straight Arrow Connector 49"/>
+          <p:cNvCxnSpPr>
+            <a:stCxn id="44" idx="3"/>
+            <a:endCxn id="47" idx="1"/>
+          </p:cNvCxnSpPr>
+          <p:nvPr/>
+        </p:nvCxnSpPr>
+        <p:spPr>
+          <a:xfrm>
+            <a:off x="2150404" y="5967572"/>
+            <a:ext cx="550545" cy="0"/>
+          </a:xfrm>
+          <a:prstGeom prst="straightConnector1">
+            <a:avLst/>
+          </a:prstGeom>
+          <a:ln>
+            <a:headEnd type="none" w="med" len="med"/>
+            <a:tailEnd type="triangle" w="med" len="med"/>
+          </a:ln>
+        </p:spPr>
+        <p:style>
+          <a:lnRef idx="1">
+            <a:schemeClr val="accent1"/>
+          </a:lnRef>
+          <a:fillRef idx="0">
+            <a:schemeClr val="accent1"/>
+          </a:fillRef>
+          <a:effectRef idx="0">
+            <a:schemeClr val="accent1"/>
+          </a:effectRef>
+          <a:fontRef idx="minor">
+            <a:schemeClr val="tx1"/>
+          </a:fontRef>
+        </p:style>
+      </p:cxnSp>
+      <p:sp>
+        <p:nvSpPr>
+          <p:cNvPr id="53" name="Flowchart: Decision 52"/>
+          <p:cNvSpPr/>
+          <p:nvPr/>
+        </p:nvSpPr>
+        <p:spPr>
+          <a:xfrm>
+            <a:off x="4163687" y="5661248"/>
+            <a:ext cx="914400" cy="612648"/>
+          </a:xfrm>
+          <a:prstGeom prst="flowChartDecision">
+            <a:avLst/>
+          </a:prstGeom>
+        </p:spPr>
+        <p:style>
+          <a:lnRef idx="2">
+            <a:schemeClr val="accent1">
+              <a:shade val="50000"/>
+            </a:schemeClr>
+          </a:lnRef>
+          <a:fillRef idx="1">
+            <a:schemeClr val="accent1"/>
+          </a:fillRef>
+          <a:effectRef idx="0">
+            <a:schemeClr val="accent1"/>
+          </a:effectRef>
+          <a:fontRef idx="minor">
+            <a:schemeClr val="lt1"/>
+          </a:fontRef>
+        </p:style>
+        <p:txBody>
+          <a:bodyPr rtlCol="0" anchor="ctr"/>
+          <a:lstStyle/>
+          <a:p>
+            <a:pPr algn="ctr"/>
+            <a:endParaRPr lang="en-CA"/>
+          </a:p>
+        </p:txBody>
+      </p:sp>
+      <p:cxnSp>
+        <p:nvCxnSpPr>
+          <p:cNvPr id="55" name="Straight Arrow Connector 54"/>
+          <p:cNvCxnSpPr>
+            <a:stCxn id="47" idx="3"/>
+            <a:endCxn id="53" idx="1"/>
+          </p:cNvCxnSpPr>
+          <p:nvPr/>
+        </p:nvCxnSpPr>
+        <p:spPr>
+          <a:xfrm>
+            <a:off x="3615349" y="5967572"/>
+            <a:ext cx="548338" cy="0"/>
+          </a:xfrm>
+          <a:prstGeom prst="straightConnector1">
+            <a:avLst/>
+          </a:prstGeom>
+          <a:ln>
+            <a:headEnd type="none" w="med" len="med"/>
+            <a:tailEnd type="triangle" w="med" len="med"/>
+          </a:ln>
+        </p:spPr>
+        <p:style>
+          <a:lnRef idx="1">
+            <a:schemeClr val="accent1"/>
+          </a:lnRef>
+          <a:fillRef idx="0">
+            <a:schemeClr val="accent1"/>
+          </a:fillRef>
+          <a:effectRef idx="0">
+            <a:schemeClr val="accent1"/>
+          </a:effectRef>
+          <a:fontRef idx="minor">
+            <a:schemeClr val="tx1"/>
+          </a:fontRef>
+        </p:style>
+      </p:cxnSp>
+      <p:sp>
+        <p:nvSpPr>
+          <p:cNvPr id="59" name="TextBox 58"/>
+          <p:cNvSpPr txBox="1"/>
+          <p:nvPr/>
+        </p:nvSpPr>
+        <p:spPr>
+          <a:xfrm>
+            <a:off x="3682254" y="5195304"/>
+            <a:ext cx="875304" cy="369332"/>
+          </a:xfrm>
+          <a:prstGeom prst="rect">
+            <a:avLst/>
+          </a:prstGeom>
+          <a:noFill/>
+        </p:spPr>
+        <p:txBody>
+          <a:bodyPr wrap="none" rtlCol="0">
+            <a:spAutoFit/>
+          </a:bodyPr>
+          <a:lstStyle/>
+          <a:p>
+            <a:r>
+              <a:rPr lang="en-CA" dirty="0" smtClean="0"/>
+              <a:t>Browse</a:t>
+            </a:r>
+            <a:endParaRPr lang="en-CA" dirty="0"/>
+          </a:p>
+        </p:txBody>
+      </p:sp>
+      <p:sp>
+        <p:nvSpPr>
+          <p:cNvPr id="60" name="TextBox 59"/>
+          <p:cNvSpPr txBox="1"/>
+          <p:nvPr/>
+        </p:nvSpPr>
+        <p:spPr>
+          <a:xfrm>
+            <a:off x="5009550" y="5529393"/>
+            <a:ext cx="832279" cy="369332"/>
+          </a:xfrm>
+          <a:prstGeom prst="rect">
+            <a:avLst/>
+          </a:prstGeom>
+          <a:noFill/>
+        </p:spPr>
+        <p:txBody>
+          <a:bodyPr wrap="none" rtlCol="0">
+            <a:spAutoFit/>
+          </a:bodyPr>
+          <a:lstStyle/>
+          <a:p>
+            <a:r>
+              <a:rPr lang="en-CA" dirty="0" smtClean="0"/>
+              <a:t>Logout</a:t>
+            </a:r>
+            <a:endParaRPr lang="en-CA" dirty="0"/>
+          </a:p>
+        </p:txBody>
+      </p:sp>
+      <p:cxnSp>
+        <p:nvCxnSpPr>
+          <p:cNvPr id="61" name="Straight Connector 60"/>
+          <p:cNvCxnSpPr>
+            <a:stCxn id="53" idx="3"/>
+            <a:endCxn id="69" idx="1"/>
+          </p:cNvCxnSpPr>
+          <p:nvPr/>
+        </p:nvCxnSpPr>
+        <p:spPr>
+          <a:xfrm>
+            <a:off x="5078087" y="5967572"/>
+            <a:ext cx="905846" cy="0"/>
+          </a:xfrm>
+          <a:prstGeom prst="line">
+            <a:avLst/>
+          </a:prstGeom>
+          <a:ln>
+            <a:headEnd type="none" w="med" len="med"/>
+            <a:tailEnd type="triangle" w="med" len="med"/>
+          </a:ln>
+        </p:spPr>
+        <p:style>
+          <a:lnRef idx="1">
+            <a:schemeClr val="accent1"/>
+          </a:lnRef>
+          <a:fillRef idx="0">
+            <a:schemeClr val="accent1"/>
+          </a:fillRef>
+          <a:effectRef idx="0">
+            <a:schemeClr val="accent1"/>
+          </a:effectRef>
+          <a:fontRef idx="minor">
+            <a:schemeClr val="tx1"/>
+          </a:fontRef>
+        </p:style>
+      </p:cxnSp>
+      <p:cxnSp>
+        <p:nvCxnSpPr>
+          <p:cNvPr id="64" name="Elbow Connector 63"/>
+          <p:cNvCxnSpPr>
+            <a:stCxn id="53" idx="0"/>
+            <a:endCxn id="57" idx="1"/>
+          </p:cNvCxnSpPr>
+          <p:nvPr/>
+        </p:nvCxnSpPr>
+        <p:spPr>
+          <a:xfrm rot="16200000" flipV="1">
+            <a:off x="2450448" y="3490808"/>
+            <a:ext cx="3681128" cy="659751"/>
+          </a:xfrm>
+          <a:prstGeom prst="bentConnector4">
+            <a:avLst>
+              <a:gd name="adj1" fmla="val 23785"/>
+              <a:gd name="adj2" fmla="val 120401"/>
+            </a:avLst>
+          </a:prstGeom>
+          <a:ln>
+            <a:headEnd type="none" w="med" len="med"/>
+            <a:tailEnd type="triangle" w="med" len="med"/>
+          </a:ln>
+        </p:spPr>
+        <p:style>
+          <a:lnRef idx="1">
+            <a:schemeClr val="accent1"/>
+          </a:lnRef>
+          <a:fillRef idx="0">
+            <a:schemeClr val="accent1"/>
+          </a:fillRef>
+          <a:effectRef idx="0">
+            <a:schemeClr val="accent1"/>
+          </a:effectRef>
+          <a:fontRef idx="minor">
+            <a:schemeClr val="tx1"/>
+          </a:fontRef>
+        </p:style>
+      </p:cxnSp>
+      <p:sp>
+        <p:nvSpPr>
+          <p:cNvPr id="69" name="Flowchart: Display 68"/>
+          <p:cNvSpPr/>
+          <p:nvPr/>
+        </p:nvSpPr>
+        <p:spPr>
+          <a:xfrm>
+            <a:off x="5983933" y="5661248"/>
+            <a:ext cx="1062868" cy="612648"/>
+          </a:xfrm>
+          <a:prstGeom prst="flowChartDisplay">
+            <a:avLst/>
+          </a:prstGeom>
+        </p:spPr>
+        <p:style>
+          <a:lnRef idx="2">
+            <a:schemeClr val="accent1">
+              <a:shade val="50000"/>
+            </a:schemeClr>
+          </a:lnRef>
+          <a:fillRef idx="1">
+            <a:schemeClr val="accent1"/>
+          </a:fillRef>
+          <a:effectRef idx="0">
+            <a:schemeClr val="accent1"/>
+          </a:effectRef>
+          <a:fontRef idx="minor">
+            <a:schemeClr val="lt1"/>
+          </a:fontRef>
+        </p:style>
+        <p:txBody>
+          <a:bodyPr rtlCol="0" anchor="ctr"/>
+          <a:lstStyle/>
+          <a:p>
+            <a:pPr algn="ctr"/>
+            <a:r>
+              <a:rPr lang="en-CA" sz="1200" dirty="0" smtClean="0"/>
+              <a:t>Logout</a:t>
+            </a:r>
+            <a:endParaRPr lang="en-CA" sz="1200" dirty="0"/>
+          </a:p>
+        </p:txBody>
+      </p:sp>
+      <p:sp>
+        <p:nvSpPr>
+          <p:cNvPr id="82" name="TextBox 81"/>
+          <p:cNvSpPr txBox="1"/>
+          <p:nvPr/>
+        </p:nvSpPr>
+        <p:spPr>
+          <a:xfrm>
+            <a:off x="5402056" y="4287505"/>
+            <a:ext cx="3289490" cy="1077218"/>
+          </a:xfrm>
+          <a:prstGeom prst="rect">
+            <a:avLst/>
+          </a:prstGeom>
+          <a:noFill/>
+        </p:spPr>
+        <p:txBody>
+          <a:bodyPr wrap="none" rtlCol="0">
+            <a:spAutoFit/>
+          </a:bodyPr>
+          <a:lstStyle/>
+          <a:p>
+            <a:r>
+              <a:rPr lang="en-CA" sz="3200" dirty="0" smtClean="0"/>
+              <a:t>Rec Online</a:t>
+            </a:r>
+          </a:p>
+          <a:p>
+            <a:r>
+              <a:rPr lang="en-CA" sz="3200" dirty="0" smtClean="0"/>
+              <a:t>Conceptual Design</a:t>
+            </a:r>
+            <a:endParaRPr lang="en-CA" sz="3200" dirty="0"/>
           </a:p>
         </p:txBody>
       </p:sp>
@@ -4539,6 +5117,13 @@
   <p:clrMapOvr>
     <a:masterClrMapping/>
   </p:clrMapOvr>
+  <p:timing>
+    <p:tnLst>
+      <p:par>
+        <p:cTn id="1" dur="indefinite" restart="never" nodeType="tmRoot"/>
+      </p:par>
+    </p:tnLst>
+  </p:timing>
 </p:sld>
 </file>
 
